--- a/NS.pptx
+++ b/NS.pptx
@@ -4423,7 +4423,7 @@
         <p:spPr/>
         <p:txBody>
           <a:bodyPr>
-            <a:normAutofit fontScale="92500" lnSpcReduction="20000"/>
+            <a:normAutofit fontScale="85000" lnSpcReduction="20000"/>
           </a:bodyPr>
           <a:lstStyle/>
           <a:p>
@@ -4515,6 +4515,12 @@
               <a:t>https://pandas.pydata.org/pandas-docs/stable/index.html</a:t>
             </a:r>
             <a:endParaRPr lang="sk-SK" dirty="0"/>
+          </a:p>
+          <a:p>
+            <a:r>
+              <a:rPr lang="sk-SK" dirty="0"/>
+              <a:t>https://youtu.be/Ilg3gGewQ5U</a:t>
+            </a:r>
           </a:p>
           <a:p>
             <a:r>
